--- a/slides/1-Emanuele-Introduction.pptx
+++ b/slides/1-Emanuele-Introduction.pptx
@@ -9,17 +9,19 @@
     <p:sldId id="275" r:id="rId3"/>
     <p:sldId id="257" r:id="rId4"/>
     <p:sldId id="258" r:id="rId5"/>
-    <p:sldId id="268" r:id="rId6"/>
-    <p:sldId id="278" r:id="rId7"/>
-    <p:sldId id="270" r:id="rId8"/>
-    <p:sldId id="273" r:id="rId9"/>
-    <p:sldId id="271" r:id="rId10"/>
-    <p:sldId id="272" r:id="rId11"/>
-    <p:sldId id="274" r:id="rId12"/>
-    <p:sldId id="264" r:id="rId13"/>
-    <p:sldId id="280" r:id="rId14"/>
-    <p:sldId id="277" r:id="rId15"/>
-    <p:sldId id="279" r:id="rId16"/>
+    <p:sldId id="282" r:id="rId6"/>
+    <p:sldId id="268" r:id="rId7"/>
+    <p:sldId id="278" r:id="rId8"/>
+    <p:sldId id="270" r:id="rId9"/>
+    <p:sldId id="273" r:id="rId10"/>
+    <p:sldId id="271" r:id="rId11"/>
+    <p:sldId id="272" r:id="rId12"/>
+    <p:sldId id="274" r:id="rId13"/>
+    <p:sldId id="264" r:id="rId14"/>
+    <p:sldId id="280" r:id="rId15"/>
+    <p:sldId id="277" r:id="rId16"/>
+    <p:sldId id="279" r:id="rId17"/>
+    <p:sldId id="283" r:id="rId18"/>
   </p:sldIdLst>
   <p:sldSz cx="12192000" cy="6858000"/>
   <p:notesSz cx="6858000" cy="9144000"/>
@@ -864,7 +866,7 @@
             <a:fld id="{B61BEF0D-F0BB-DE4B-95CE-6DB70DBA9567}" type="datetimeFigureOut">
               <a:rPr lang="en-US" smtClean="0"/>
               <a:pPr/>
-              <a:t>5/31/2017</a:t>
+              <a:t>6/11/2017</a:t>
             </a:fld>
             <a:endParaRPr lang="en-US" dirty="0"/>
           </a:p>
@@ -1117,7 +1119,7 @@
             <a:fld id="{B61BEF0D-F0BB-DE4B-95CE-6DB70DBA9567}" type="datetimeFigureOut">
               <a:rPr lang="en-US" smtClean="0"/>
               <a:pPr/>
-              <a:t>5/31/2017</a:t>
+              <a:t>6/11/2017</a:t>
             </a:fld>
             <a:endParaRPr lang="en-US" dirty="0"/>
           </a:p>
@@ -1433,7 +1435,7 @@
             <a:fld id="{B61BEF0D-F0BB-DE4B-95CE-6DB70DBA9567}" type="datetimeFigureOut">
               <a:rPr lang="en-US" smtClean="0"/>
               <a:pPr/>
-              <a:t>5/31/2017</a:t>
+              <a:t>6/11/2017</a:t>
             </a:fld>
             <a:endParaRPr lang="en-US" dirty="0"/>
           </a:p>
@@ -1776,7 +1778,7 @@
             <a:fld id="{B61BEF0D-F0BB-DE4B-95CE-6DB70DBA9567}" type="datetimeFigureOut">
               <a:rPr lang="en-US" smtClean="0"/>
               <a:pPr/>
-              <a:t>5/31/2017</a:t>
+              <a:t>6/11/2017</a:t>
             </a:fld>
             <a:endParaRPr lang="en-US" dirty="0"/>
           </a:p>
@@ -2092,7 +2094,7 @@
             <a:fld id="{B61BEF0D-F0BB-DE4B-95CE-6DB70DBA9567}" type="datetimeFigureOut">
               <a:rPr lang="en-US" smtClean="0"/>
               <a:pPr/>
-              <a:t>5/31/2017</a:t>
+              <a:t>6/11/2017</a:t>
             </a:fld>
             <a:endParaRPr lang="en-US" dirty="0"/>
           </a:p>
@@ -2487,7 +2489,7 @@
             <a:fld id="{B61BEF0D-F0BB-DE4B-95CE-6DB70DBA9567}" type="datetimeFigureOut">
               <a:rPr lang="en-US" smtClean="0"/>
               <a:pPr/>
-              <a:t>5/31/2017</a:t>
+              <a:t>6/11/2017</a:t>
             </a:fld>
             <a:endParaRPr lang="en-US" dirty="0"/>
           </a:p>
@@ -2658,7 +2660,7 @@
           <a:p>
             <a:fld id="{55C6B4A9-1611-4792-9094-5F34BCA07E0B}" type="datetimeFigureOut">
               <a:rPr lang="en-US" smtClean="0"/>
-              <a:t>5/31/2017</a:t>
+              <a:t>6/11/2017</a:t>
             </a:fld>
             <a:endParaRPr lang="en-US" dirty="0"/>
           </a:p>
@@ -2839,7 +2841,7 @@
             <a:fld id="{B61BEF0D-F0BB-DE4B-95CE-6DB70DBA9567}" type="datetimeFigureOut">
               <a:rPr lang="en-US" smtClean="0"/>
               <a:pPr/>
-              <a:t>5/31/2017</a:t>
+              <a:t>6/11/2017</a:t>
             </a:fld>
             <a:endParaRPr lang="en-US" dirty="0"/>
           </a:p>
@@ -3017,7 +3019,7 @@
             <a:fld id="{B61BEF0D-F0BB-DE4B-95CE-6DB70DBA9567}" type="datetimeFigureOut">
               <a:rPr lang="en-US" smtClean="0"/>
               <a:pPr/>
-              <a:t>5/31/2017</a:t>
+              <a:t>6/11/2017</a:t>
             </a:fld>
             <a:endParaRPr lang="en-US" dirty="0"/>
           </a:p>
@@ -3266,7 +3268,7 @@
             <a:fld id="{B61BEF0D-F0BB-DE4B-95CE-6DB70DBA9567}" type="datetimeFigureOut">
               <a:rPr lang="en-US" smtClean="0"/>
               <a:pPr/>
-              <a:t>5/31/2017</a:t>
+              <a:t>6/11/2017</a:t>
             </a:fld>
             <a:endParaRPr lang="en-US" dirty="0"/>
           </a:p>
@@ -3499,7 +3501,7 @@
           <a:p>
             <a:fld id="{EB712588-04B1-427B-82EE-E8DB90309F08}" type="datetimeFigureOut">
               <a:rPr lang="en-US" smtClean="0"/>
-              <a:t>5/31/2017</a:t>
+              <a:t>6/11/2017</a:t>
             </a:fld>
             <a:endParaRPr lang="en-US" dirty="0"/>
           </a:p>
@@ -3874,7 +3876,7 @@
             <a:fld id="{B61BEF0D-F0BB-DE4B-95CE-6DB70DBA9567}" type="datetimeFigureOut">
               <a:rPr lang="en-US" smtClean="0"/>
               <a:pPr/>
-              <a:t>5/31/2017</a:t>
+              <a:t>6/11/2017</a:t>
             </a:fld>
             <a:endParaRPr lang="en-US" dirty="0"/>
           </a:p>
@@ -3999,7 +4001,7 @@
             <a:fld id="{B61BEF0D-F0BB-DE4B-95CE-6DB70DBA9567}" type="datetimeFigureOut">
               <a:rPr lang="en-US" smtClean="0"/>
               <a:pPr/>
-              <a:t>5/31/2017</a:t>
+              <a:t>6/11/2017</a:t>
             </a:fld>
             <a:endParaRPr lang="en-US" dirty="0"/>
           </a:p>
@@ -4096,7 +4098,7 @@
             <a:fld id="{B61BEF0D-F0BB-DE4B-95CE-6DB70DBA9567}" type="datetimeFigureOut">
               <a:rPr lang="en-US" smtClean="0"/>
               <a:pPr/>
-              <a:t>5/31/2017</a:t>
+              <a:t>6/11/2017</a:t>
             </a:fld>
             <a:endParaRPr lang="en-US" dirty="0"/>
           </a:p>
@@ -4352,7 +4354,7 @@
           <a:p>
             <a:fld id="{42A54C80-263E-416B-A8E0-580EDEADCBDC}" type="datetimeFigureOut">
               <a:rPr lang="en-US" smtClean="0"/>
-              <a:t>5/31/2017</a:t>
+              <a:t>6/11/2017</a:t>
             </a:fld>
             <a:endParaRPr lang="en-US" dirty="0"/>
           </a:p>
@@ -4616,7 +4618,7 @@
             <a:fld id="{B61BEF0D-F0BB-DE4B-95CE-6DB70DBA9567}" type="datetimeFigureOut">
               <a:rPr lang="en-US" smtClean="0"/>
               <a:pPr/>
-              <a:t>5/31/2017</a:t>
+              <a:t>6/11/2017</a:t>
             </a:fld>
             <a:endParaRPr lang="en-US" dirty="0"/>
           </a:p>
@@ -5361,7 +5363,7 @@
             <a:fld id="{B61BEF0D-F0BB-DE4B-95CE-6DB70DBA9567}" type="datetimeFigureOut">
               <a:rPr lang="en-US" smtClean="0"/>
               <a:pPr/>
-              <a:t>5/31/2017</a:t>
+              <a:t>6/11/2017</a:t>
             </a:fld>
             <a:endParaRPr lang="en-US" dirty="0"/>
           </a:p>
@@ -6182,6 +6184,106 @@
         <p:spPr>
           <a:xfrm>
             <a:off x="1338147" y="1895537"/>
+            <a:ext cx="7259443" cy="4401653"/>
+          </a:xfrm>
+        </p:spPr>
+      </p:pic>
+    </p:spTree>
+    <p:extLst>
+      <p:ext uri="{BB962C8B-B14F-4D97-AF65-F5344CB8AC3E}">
+        <p14:creationId xmlns:p14="http://schemas.microsoft.com/office/powerpoint/2010/main" val="3856015606"/>
+      </p:ext>
+    </p:extLst>
+  </p:cSld>
+  <p:clrMapOvr>
+    <a:masterClrMapping/>
+  </p:clrMapOvr>
+</p:sld>
+</file>
+
+<file path=ppt/slides/slide11.xml><?xml version="1.0" encoding="utf-8"?>
+<p:sld xmlns:a="http://schemas.openxmlformats.org/drawingml/2006/main" xmlns:r="http://schemas.openxmlformats.org/officeDocument/2006/relationships" xmlns:p="http://schemas.openxmlformats.org/presentationml/2006/main" show="0">
+  <p:cSld>
+    <p:spTree>
+      <p:nvGrpSpPr>
+        <p:cNvPr id="1" name=""/>
+        <p:cNvGrpSpPr/>
+        <p:nvPr/>
+      </p:nvGrpSpPr>
+      <p:grpSpPr>
+        <a:xfrm>
+          <a:off x="0" y="0"/>
+          <a:ext cx="0" cy="0"/>
+          <a:chOff x="0" y="0"/>
+          <a:chExt cx="0" cy="0"/>
+        </a:xfrm>
+      </p:grpSpPr>
+      <p:sp>
+        <p:nvSpPr>
+          <p:cNvPr id="2" name="Titolo 1"/>
+          <p:cNvSpPr>
+            <a:spLocks noGrp="1"/>
+          </p:cNvSpPr>
+          <p:nvPr>
+            <p:ph type="title"/>
+          </p:nvPr>
+        </p:nvSpPr>
+        <p:spPr>
+          <a:xfrm>
+            <a:off x="643881" y="598449"/>
+            <a:ext cx="9019116" cy="1320800"/>
+          </a:xfrm>
+        </p:spPr>
+        <p:txBody>
+          <a:bodyPr>
+            <a:noAutofit/>
+          </a:bodyPr>
+          <a:lstStyle/>
+          <a:p>
+            <a:pPr algn="ctr"/>
+            <a:r>
+              <a:rPr lang="it-IT" sz="5400" dirty="0">
+                <a:solidFill>
+                  <a:schemeClr val="accent2"/>
+                </a:solidFill>
+              </a:rPr>
+              <a:t>The art of </a:t>
+            </a:r>
+            <a:r>
+              <a:rPr lang="it-IT" sz="5400" dirty="0" err="1">
+                <a:solidFill>
+                  <a:schemeClr val="accent2"/>
+                </a:solidFill>
+              </a:rPr>
+              <a:t>communication</a:t>
+            </a:r>
+            <a:endParaRPr lang="it-IT" sz="5400" dirty="0">
+              <a:solidFill>
+                <a:schemeClr val="accent2"/>
+              </a:solidFill>
+            </a:endParaRPr>
+          </a:p>
+        </p:txBody>
+      </p:sp>
+      <p:pic>
+        <p:nvPicPr>
+          <p:cNvPr id="7" name="Segnaposto contenuto 6"/>
+          <p:cNvPicPr>
+            <a:picLocks noGrp="1" noChangeAspect="1"/>
+          </p:cNvPicPr>
+          <p:nvPr>
+            <p:ph idx="1"/>
+          </p:nvPr>
+        </p:nvPicPr>
+        <p:blipFill>
+          <a:blip r:embed="rId2"/>
+          <a:stretch>
+            <a:fillRect/>
+          </a:stretch>
+        </p:blipFill>
+        <p:spPr>
+          <a:xfrm>
+            <a:off x="1338147" y="1895537"/>
             <a:ext cx="7259442" cy="4401653"/>
           </a:xfrm>
         </p:spPr>
@@ -6199,8 +6301,8 @@
 </p:sld>
 </file>
 
-<file path=ppt/slides/slide11.xml><?xml version="1.0" encoding="utf-8"?>
-<p:sld xmlns:a="http://schemas.openxmlformats.org/drawingml/2006/main" xmlns:r="http://schemas.openxmlformats.org/officeDocument/2006/relationships" xmlns:p="http://schemas.openxmlformats.org/presentationml/2006/main">
+<file path=ppt/slides/slide12.xml><?xml version="1.0" encoding="utf-8"?>
+<p:sld xmlns:a="http://schemas.openxmlformats.org/drawingml/2006/main" xmlns:r="http://schemas.openxmlformats.org/officeDocument/2006/relationships" xmlns:p="http://schemas.openxmlformats.org/presentationml/2006/main" show="0">
   <p:cSld>
     <p:spTree>
       <p:nvGrpSpPr>
@@ -6299,7 +6401,7 @@
 </p:sld>
 </file>
 
-<file path=ppt/slides/slide12.xml><?xml version="1.0" encoding="utf-8"?>
+<file path=ppt/slides/slide13.xml><?xml version="1.0" encoding="utf-8"?>
 <p:sld xmlns:a="http://schemas.openxmlformats.org/drawingml/2006/main" xmlns:r="http://schemas.openxmlformats.org/officeDocument/2006/relationships" xmlns:p="http://schemas.openxmlformats.org/presentationml/2006/main">
   <p:cSld>
     <p:spTree>
@@ -6457,7 +6559,7 @@
 </p:sld>
 </file>
 
-<file path=ppt/slides/slide13.xml><?xml version="1.0" encoding="utf-8"?>
+<file path=ppt/slides/slide14.xml><?xml version="1.0" encoding="utf-8"?>
 <p:sld xmlns:a="http://schemas.openxmlformats.org/drawingml/2006/main" xmlns:r="http://schemas.openxmlformats.org/officeDocument/2006/relationships" xmlns:p="http://schemas.openxmlformats.org/presentationml/2006/main">
   <p:cSld>
     <p:spTree>
@@ -7023,7 +7125,7 @@
 </p:sld>
 </file>
 
-<file path=ppt/slides/slide14.xml><?xml version="1.0" encoding="utf-8"?>
+<file path=ppt/slides/slide15.xml><?xml version="1.0" encoding="utf-8"?>
 <p:sld xmlns:a="http://schemas.openxmlformats.org/drawingml/2006/main" xmlns:r="http://schemas.openxmlformats.org/officeDocument/2006/relationships" xmlns:p="http://schemas.openxmlformats.org/presentationml/2006/main">
   <p:cSld>
     <p:spTree>
@@ -7674,7 +7776,7 @@
 </p:sld>
 </file>
 
-<file path=ppt/slides/slide15.xml><?xml version="1.0" encoding="utf-8"?>
+<file path=ppt/slides/slide16.xml><?xml version="1.0" encoding="utf-8"?>
 <p:sld xmlns:a="http://schemas.openxmlformats.org/drawingml/2006/main" xmlns:r="http://schemas.openxmlformats.org/officeDocument/2006/relationships" xmlns:p="http://schemas.openxmlformats.org/presentationml/2006/main">
   <p:cSld>
     <p:spTree>
@@ -8208,6 +8310,58 @@
 </p:sld>
 </file>
 
+<file path=ppt/slides/slide17.xml><?xml version="1.0" encoding="utf-8"?>
+<p:sld xmlns:a="http://schemas.openxmlformats.org/drawingml/2006/main" xmlns:r="http://schemas.openxmlformats.org/officeDocument/2006/relationships" xmlns:p="http://schemas.openxmlformats.org/presentationml/2006/main">
+  <p:cSld>
+    <p:spTree>
+      <p:nvGrpSpPr>
+        <p:cNvPr id="1" name=""/>
+        <p:cNvGrpSpPr/>
+        <p:nvPr/>
+      </p:nvGrpSpPr>
+      <p:grpSpPr>
+        <a:xfrm>
+          <a:off x="0" y="0"/>
+          <a:ext cx="0" cy="0"/>
+          <a:chOff x="0" y="0"/>
+          <a:chExt cx="0" cy="0"/>
+        </a:xfrm>
+      </p:grpSpPr>
+      <p:pic>
+        <p:nvPicPr>
+          <p:cNvPr id="5" name="Segnaposto contenuto 4"/>
+          <p:cNvPicPr>
+            <a:picLocks noGrp="1" noChangeAspect="1"/>
+          </p:cNvPicPr>
+          <p:nvPr>
+            <p:ph idx="1"/>
+          </p:nvPr>
+        </p:nvPicPr>
+        <p:blipFill rotWithShape="1">
+          <a:blip r:embed="rId2"/>
+          <a:srcRect b="-18889"/>
+          <a:stretch/>
+        </p:blipFill>
+        <p:spPr>
+          <a:xfrm>
+            <a:off x="0" y="-1"/>
+            <a:ext cx="12192000" cy="8153399"/>
+          </a:xfrm>
+        </p:spPr>
+      </p:pic>
+    </p:spTree>
+    <p:extLst>
+      <p:ext uri="{BB962C8B-B14F-4D97-AF65-F5344CB8AC3E}">
+        <p14:creationId xmlns:p14="http://schemas.microsoft.com/office/powerpoint/2010/main" val="2227244501"/>
+      </p:ext>
+    </p:extLst>
+  </p:cSld>
+  <p:clrMapOvr>
+    <a:masterClrMapping/>
+  </p:clrMapOvr>
+</p:sld>
+</file>
+
 <file path=ppt/slides/slide2.xml><?xml version="1.0" encoding="utf-8"?>
 <p:sld xmlns:a="http://schemas.openxmlformats.org/drawingml/2006/main" xmlns:r="http://schemas.openxmlformats.org/officeDocument/2006/relationships" xmlns:p="http://schemas.openxmlformats.org/presentationml/2006/main">
   <p:cSld>
@@ -8261,7 +8415,7 @@
                   <a:schemeClr val="accent2"/>
                 </a:solidFill>
               </a:rPr>
-              <a:t>Manly with IP Manager</a:t>
+              <a:t>Manly with Manager</a:t>
             </a:r>
             <a:br>
               <a:rPr lang="en-US" sz="6000" dirty="0">
@@ -8292,7 +8446,7 @@
 </file>
 
 <file path=ppt/slides/slide3.xml><?xml version="1.0" encoding="utf-8"?>
-<p:sld xmlns:a="http://schemas.openxmlformats.org/drawingml/2006/main" xmlns:r="http://schemas.openxmlformats.org/officeDocument/2006/relationships" xmlns:p="http://schemas.openxmlformats.org/presentationml/2006/main">
+<p:sld xmlns:a="http://schemas.openxmlformats.org/drawingml/2006/main" xmlns:r="http://schemas.openxmlformats.org/officeDocument/2006/relationships" xmlns:p="http://schemas.openxmlformats.org/presentationml/2006/main" show="0">
   <p:cSld>
     <p:spTree>
       <p:nvGrpSpPr>
@@ -8504,21 +8658,34 @@
             <p:ph type="title"/>
           </p:nvPr>
         </p:nvSpPr>
-        <p:spPr/>
+        <p:spPr>
+          <a:xfrm>
+            <a:off x="0" y="609600"/>
+            <a:ext cx="9274002" cy="1320800"/>
+          </a:xfrm>
+        </p:spPr>
         <p:txBody>
           <a:bodyPr>
-            <a:normAutofit/>
+            <a:normAutofit fontScale="90000"/>
           </a:bodyPr>
           <a:lstStyle/>
           <a:p>
             <a:pPr algn="ctr"/>
             <a:r>
+              <a:rPr lang="it-IT" sz="5400" dirty="0" err="1">
+                <a:solidFill>
+                  <a:schemeClr val="accent2"/>
+                </a:solidFill>
+              </a:rPr>
+              <a:t>Greatest</a:t>
+            </a:r>
+            <a:r>
               <a:rPr lang="it-IT" sz="5400" dirty="0">
                 <a:solidFill>
                   <a:schemeClr val="accent2"/>
                 </a:solidFill>
               </a:rPr>
-              <a:t>IP Manager </a:t>
+              <a:t> </a:t>
             </a:r>
             <a:r>
               <a:rPr lang="it-IT" sz="5400" dirty="0" err="1">
@@ -8526,7 +8693,23 @@
                   <a:schemeClr val="accent2"/>
                 </a:solidFill>
               </a:rPr>
-              <a:t>functions</a:t>
+              <a:t>Questions</a:t>
+            </a:r>
+            <a:r>
+              <a:rPr lang="it-IT" sz="5400" dirty="0">
+                <a:solidFill>
+                  <a:schemeClr val="accent2"/>
+                </a:solidFill>
+              </a:rPr>
+              <a:t> for </a:t>
+            </a:r>
+            <a:r>
+              <a:rPr lang="it-IT" sz="5400" dirty="0" err="1">
+                <a:solidFill>
+                  <a:schemeClr val="accent2"/>
+                </a:solidFill>
+              </a:rPr>
+              <a:t>Humanity</a:t>
             </a:r>
             <a:endParaRPr lang="it-IT" sz="5400" dirty="0">
               <a:solidFill>
@@ -8553,22 +8736,30 @@
           </a:bodyPr>
           <a:lstStyle/>
           <a:p>
-            <a:r>
-              <a:rPr lang="en-US" sz="2800" dirty="0"/>
-              <a:t>Handles the context switching between IP cores</a:t>
-            </a:r>
             <a:endParaRPr lang="it-IT" sz="2800" dirty="0"/>
           </a:p>
           <a:p>
             <a:r>
+              <a:rPr lang="it-IT" sz="2800" dirty="0" err="1"/>
+              <a:t>What’s</a:t>
+            </a:r>
+            <a:r>
               <a:rPr lang="it-IT" sz="2800" dirty="0"/>
-              <a:t>Interrupt Handling</a:t>
-            </a:r>
-          </a:p>
-          <a:p>
+              <a:t> the </a:t>
+            </a:r>
             <a:r>
               <a:rPr lang="it-IT" sz="2800" dirty="0" err="1"/>
-              <a:t>Protects</a:t>
+              <a:t>purpose</a:t>
+            </a:r>
+            <a:r>
+              <a:rPr lang="it-IT" sz="2800" dirty="0"/>
+              <a:t> in life?</a:t>
+            </a:r>
+          </a:p>
+          <a:p>
+            <a:r>
+              <a:rPr lang="it-IT" sz="2800" dirty="0" err="1"/>
+              <a:t>Why</a:t>
             </a:r>
             <a:r>
               <a:rPr lang="it-IT" sz="2800" dirty="0"/>
@@ -8576,9 +8767,62 @@
             </a:r>
             <a:r>
               <a:rPr lang="it-IT" sz="2800" dirty="0" err="1"/>
-              <a:t>mankind</a:t>
-            </a:r>
-            <a:endParaRPr lang="it-IT" sz="2800" dirty="0"/>
+              <a:t>there</a:t>
+            </a:r>
+            <a:r>
+              <a:rPr lang="it-IT" sz="2800" dirty="0"/>
+              <a:t> </a:t>
+            </a:r>
+            <a:r>
+              <a:rPr lang="it-IT" sz="2800" dirty="0" err="1"/>
+              <a:t>is</a:t>
+            </a:r>
+            <a:r>
+              <a:rPr lang="it-IT" sz="2800" dirty="0"/>
+              <a:t> </a:t>
+            </a:r>
+            <a:r>
+              <a:rPr lang="it-IT" sz="2800" dirty="0" err="1"/>
+              <a:t>something</a:t>
+            </a:r>
+            <a:r>
+              <a:rPr lang="it-IT" sz="2800" dirty="0"/>
+              <a:t> </a:t>
+            </a:r>
+            <a:r>
+              <a:rPr lang="it-IT" sz="2800" dirty="0" err="1"/>
+              <a:t>instead</a:t>
+            </a:r>
+            <a:r>
+              <a:rPr lang="it-IT" sz="2800" dirty="0"/>
+              <a:t> of </a:t>
+            </a:r>
+            <a:r>
+              <a:rPr lang="it-IT" sz="2800" dirty="0" err="1"/>
+              <a:t>nothing</a:t>
+            </a:r>
+            <a:r>
+              <a:rPr lang="it-IT" sz="2800" dirty="0"/>
+              <a:t>?</a:t>
+            </a:r>
+          </a:p>
+          <a:p>
+            <a:r>
+              <a:rPr lang="it-IT" sz="2800" dirty="0" err="1"/>
+              <a:t>What</a:t>
+            </a:r>
+            <a:r>
+              <a:rPr lang="it-IT" sz="2800" dirty="0"/>
+              <a:t> </a:t>
+            </a:r>
+            <a:r>
+              <a:rPr lang="it-IT" sz="2800" dirty="0" err="1"/>
+              <a:t>is</a:t>
+            </a:r>
+            <a:r>
+              <a:rPr lang="it-IT" sz="2800" dirty="0"/>
+              <a:t> an IP core Manager?</a:t>
+            </a:r>
           </a:p>
         </p:txBody>
       </p:sp>
@@ -8622,6 +8866,127 @@
             <p:ph type="title"/>
           </p:nvPr>
         </p:nvSpPr>
+        <p:spPr/>
+        <p:txBody>
+          <a:bodyPr>
+            <a:normAutofit/>
+          </a:bodyPr>
+          <a:lstStyle/>
+          <a:p>
+            <a:pPr algn="ctr"/>
+            <a:r>
+              <a:rPr lang="it-IT" sz="5400" dirty="0">
+                <a:solidFill>
+                  <a:schemeClr val="accent2"/>
+                </a:solidFill>
+              </a:rPr>
+              <a:t>IP Manager </a:t>
+            </a:r>
+            <a:r>
+              <a:rPr lang="it-IT" sz="5400" dirty="0" err="1">
+                <a:solidFill>
+                  <a:schemeClr val="accent2"/>
+                </a:solidFill>
+              </a:rPr>
+              <a:t>functions</a:t>
+            </a:r>
+            <a:endParaRPr lang="it-IT" sz="5400" dirty="0">
+              <a:solidFill>
+                <a:schemeClr val="accent2"/>
+              </a:solidFill>
+            </a:endParaRPr>
+          </a:p>
+        </p:txBody>
+      </p:sp>
+      <p:sp>
+        <p:nvSpPr>
+          <p:cNvPr id="3" name="Segnaposto contenuto 2"/>
+          <p:cNvSpPr>
+            <a:spLocks noGrp="1"/>
+          </p:cNvSpPr>
+          <p:nvPr>
+            <p:ph idx="1"/>
+          </p:nvPr>
+        </p:nvSpPr>
+        <p:spPr/>
+        <p:txBody>
+          <a:bodyPr>
+            <a:normAutofit/>
+          </a:bodyPr>
+          <a:lstStyle/>
+          <a:p>
+            <a:endParaRPr lang="en-US" sz="2800" dirty="0"/>
+          </a:p>
+          <a:p>
+            <a:r>
+              <a:rPr lang="en-US" sz="2800" dirty="0"/>
+              <a:t>Handles the context switching between IP cores</a:t>
+            </a:r>
+            <a:endParaRPr lang="it-IT" sz="2800" dirty="0"/>
+          </a:p>
+          <a:p>
+            <a:r>
+              <a:rPr lang="it-IT" sz="2800" dirty="0"/>
+              <a:t>Interrupt Handling</a:t>
+            </a:r>
+          </a:p>
+          <a:p>
+            <a:r>
+              <a:rPr lang="it-IT" sz="2800" dirty="0" err="1"/>
+              <a:t>Protects</a:t>
+            </a:r>
+            <a:r>
+              <a:rPr lang="it-IT" sz="2800" dirty="0"/>
+              <a:t> </a:t>
+            </a:r>
+            <a:r>
+              <a:rPr lang="it-IT" sz="2800" dirty="0" err="1"/>
+              <a:t>mankind</a:t>
+            </a:r>
+            <a:endParaRPr lang="it-IT" sz="2800" dirty="0"/>
+          </a:p>
+        </p:txBody>
+      </p:sp>
+    </p:spTree>
+    <p:extLst>
+      <p:ext uri="{BB962C8B-B14F-4D97-AF65-F5344CB8AC3E}">
+        <p14:creationId xmlns:p14="http://schemas.microsoft.com/office/powerpoint/2010/main" val="3706550913"/>
+      </p:ext>
+    </p:extLst>
+  </p:cSld>
+  <p:clrMapOvr>
+    <a:masterClrMapping/>
+  </p:clrMapOvr>
+</p:sld>
+</file>
+
+<file path=ppt/slides/slide6.xml><?xml version="1.0" encoding="utf-8"?>
+<p:sld xmlns:a="http://schemas.openxmlformats.org/drawingml/2006/main" xmlns:r="http://schemas.openxmlformats.org/officeDocument/2006/relationships" xmlns:p="http://schemas.openxmlformats.org/presentationml/2006/main">
+  <p:cSld>
+    <p:spTree>
+      <p:nvGrpSpPr>
+        <p:cNvPr id="1" name=""/>
+        <p:cNvGrpSpPr/>
+        <p:nvPr/>
+      </p:nvGrpSpPr>
+      <p:grpSpPr>
+        <a:xfrm>
+          <a:off x="0" y="0"/>
+          <a:ext cx="0" cy="0"/>
+          <a:chOff x="0" y="0"/>
+          <a:chExt cx="0" cy="0"/>
+        </a:xfrm>
+      </p:grpSpPr>
+      <p:sp>
+        <p:nvSpPr>
+          <p:cNvPr id="2" name="Titolo 1"/>
+          <p:cNvSpPr>
+            <a:spLocks noGrp="1"/>
+          </p:cNvSpPr>
+          <p:nvPr>
+            <p:ph type="title"/>
+          </p:nvPr>
+        </p:nvSpPr>
         <p:spPr>
           <a:xfrm>
             <a:off x="677334" y="609600"/>
@@ -8682,7 +9047,7 @@
 </p:sld>
 </file>
 
-<file path=ppt/slides/slide6.xml><?xml version="1.0" encoding="utf-8"?>
+<file path=ppt/slides/slide7.xml><?xml version="1.0" encoding="utf-8"?>
 <p:sld xmlns:a="http://schemas.openxmlformats.org/drawingml/2006/main" xmlns:r="http://schemas.openxmlformats.org/officeDocument/2006/relationships" xmlns:p="http://schemas.openxmlformats.org/presentationml/2006/main">
   <p:cSld>
     <p:spTree>
@@ -8777,7 +9142,7 @@
 </p:sld>
 </file>
 
-<file path=ppt/slides/slide7.xml><?xml version="1.0" encoding="utf-8"?>
+<file path=ppt/slides/slide8.xml><?xml version="1.0" encoding="utf-8"?>
 <p:sld xmlns:a="http://schemas.openxmlformats.org/drawingml/2006/main" xmlns:r="http://schemas.openxmlformats.org/officeDocument/2006/relationships" xmlns:p="http://schemas.openxmlformats.org/presentationml/2006/main">
   <p:cSld>
     <p:spTree>
@@ -8877,7 +9242,7 @@
 </p:sld>
 </file>
 
-<file path=ppt/slides/slide8.xml><?xml version="1.0" encoding="utf-8"?>
+<file path=ppt/slides/slide9.xml><?xml version="1.0" encoding="utf-8"?>
 <p:sld xmlns:a="http://schemas.openxmlformats.org/drawingml/2006/main" xmlns:r="http://schemas.openxmlformats.org/officeDocument/2006/relationships" xmlns:p="http://schemas.openxmlformats.org/presentationml/2006/main">
   <p:cSld>
     <p:spTree>
@@ -8968,106 +9333,6 @@
     <p:extLst>
       <p:ext uri="{BB962C8B-B14F-4D97-AF65-F5344CB8AC3E}">
         <p14:creationId xmlns:p14="http://schemas.microsoft.com/office/powerpoint/2010/main" val="3164753331"/>
-      </p:ext>
-    </p:extLst>
-  </p:cSld>
-  <p:clrMapOvr>
-    <a:masterClrMapping/>
-  </p:clrMapOvr>
-</p:sld>
-</file>
-
-<file path=ppt/slides/slide9.xml><?xml version="1.0" encoding="utf-8"?>
-<p:sld xmlns:a="http://schemas.openxmlformats.org/drawingml/2006/main" xmlns:r="http://schemas.openxmlformats.org/officeDocument/2006/relationships" xmlns:p="http://schemas.openxmlformats.org/presentationml/2006/main">
-  <p:cSld>
-    <p:spTree>
-      <p:nvGrpSpPr>
-        <p:cNvPr id="1" name=""/>
-        <p:cNvGrpSpPr/>
-        <p:nvPr/>
-      </p:nvGrpSpPr>
-      <p:grpSpPr>
-        <a:xfrm>
-          <a:off x="0" y="0"/>
-          <a:ext cx="0" cy="0"/>
-          <a:chOff x="0" y="0"/>
-          <a:chExt cx="0" cy="0"/>
-        </a:xfrm>
-      </p:grpSpPr>
-      <p:sp>
-        <p:nvSpPr>
-          <p:cNvPr id="2" name="Titolo 1"/>
-          <p:cNvSpPr>
-            <a:spLocks noGrp="1"/>
-          </p:cNvSpPr>
-          <p:nvPr>
-            <p:ph type="title"/>
-          </p:nvPr>
-        </p:nvSpPr>
-        <p:spPr>
-          <a:xfrm>
-            <a:off x="643881" y="598449"/>
-            <a:ext cx="9019116" cy="1320800"/>
-          </a:xfrm>
-        </p:spPr>
-        <p:txBody>
-          <a:bodyPr>
-            <a:noAutofit/>
-          </a:bodyPr>
-          <a:lstStyle/>
-          <a:p>
-            <a:pPr algn="ctr"/>
-            <a:r>
-              <a:rPr lang="it-IT" sz="5400" dirty="0">
-                <a:solidFill>
-                  <a:schemeClr val="accent2"/>
-                </a:solidFill>
-              </a:rPr>
-              <a:t>The art of </a:t>
-            </a:r>
-            <a:r>
-              <a:rPr lang="it-IT" sz="5400" dirty="0" err="1">
-                <a:solidFill>
-                  <a:schemeClr val="accent2"/>
-                </a:solidFill>
-              </a:rPr>
-              <a:t>communication</a:t>
-            </a:r>
-            <a:endParaRPr lang="it-IT" sz="5400" dirty="0">
-              <a:solidFill>
-                <a:schemeClr val="accent2"/>
-              </a:solidFill>
-            </a:endParaRPr>
-          </a:p>
-        </p:txBody>
-      </p:sp>
-      <p:pic>
-        <p:nvPicPr>
-          <p:cNvPr id="7" name="Segnaposto contenuto 6"/>
-          <p:cNvPicPr>
-            <a:picLocks noGrp="1" noChangeAspect="1"/>
-          </p:cNvPicPr>
-          <p:nvPr>
-            <p:ph idx="1"/>
-          </p:nvPr>
-        </p:nvPicPr>
-        <p:blipFill>
-          <a:blip r:embed="rId2"/>
-          <a:stretch>
-            <a:fillRect/>
-          </a:stretch>
-        </p:blipFill>
-        <p:spPr>
-          <a:xfrm>
-            <a:off x="1338147" y="1895537"/>
-            <a:ext cx="7259443" cy="4401653"/>
-          </a:xfrm>
-        </p:spPr>
-      </p:pic>
-    </p:spTree>
-    <p:extLst>
-      <p:ext uri="{BB962C8B-B14F-4D97-AF65-F5344CB8AC3E}">
-        <p14:creationId xmlns:p14="http://schemas.microsoft.com/office/powerpoint/2010/main" val="3856015606"/>
       </p:ext>
     </p:extLst>
   </p:cSld>

--- a/slides/1-Emanuele-Introduction.pptx
+++ b/slides/1-Emanuele-Introduction.pptx
@@ -7,21 +7,18 @@
   <p:sldIdLst>
     <p:sldId id="256" r:id="rId2"/>
     <p:sldId id="275" r:id="rId3"/>
-    <p:sldId id="257" r:id="rId4"/>
-    <p:sldId id="258" r:id="rId5"/>
-    <p:sldId id="282" r:id="rId6"/>
-    <p:sldId id="268" r:id="rId7"/>
-    <p:sldId id="278" r:id="rId8"/>
-    <p:sldId id="270" r:id="rId9"/>
-    <p:sldId id="273" r:id="rId10"/>
-    <p:sldId id="271" r:id="rId11"/>
-    <p:sldId id="272" r:id="rId12"/>
-    <p:sldId id="274" r:id="rId13"/>
-    <p:sldId id="264" r:id="rId14"/>
-    <p:sldId id="280" r:id="rId15"/>
-    <p:sldId id="277" r:id="rId16"/>
-    <p:sldId id="279" r:id="rId17"/>
-    <p:sldId id="283" r:id="rId18"/>
+    <p:sldId id="258" r:id="rId4"/>
+    <p:sldId id="282" r:id="rId5"/>
+    <p:sldId id="268" r:id="rId6"/>
+    <p:sldId id="278" r:id="rId7"/>
+    <p:sldId id="270" r:id="rId8"/>
+    <p:sldId id="273" r:id="rId9"/>
+    <p:sldId id="271" r:id="rId10"/>
+    <p:sldId id="264" r:id="rId11"/>
+    <p:sldId id="280" r:id="rId12"/>
+    <p:sldId id="277" r:id="rId13"/>
+    <p:sldId id="279" r:id="rId14"/>
+    <p:sldId id="283" r:id="rId15"/>
   </p:sldIdLst>
   <p:sldSz cx="12192000" cy="6858000"/>
   <p:notesSz cx="6858000" cy="9144000"/>
@@ -6128,306 +6125,6 @@
             <p:ph type="title"/>
           </p:nvPr>
         </p:nvSpPr>
-        <p:spPr>
-          <a:xfrm>
-            <a:off x="643881" y="598449"/>
-            <a:ext cx="9019116" cy="1320800"/>
-          </a:xfrm>
-        </p:spPr>
-        <p:txBody>
-          <a:bodyPr>
-            <a:noAutofit/>
-          </a:bodyPr>
-          <a:lstStyle/>
-          <a:p>
-            <a:pPr algn="ctr"/>
-            <a:r>
-              <a:rPr lang="it-IT" sz="5400" dirty="0">
-                <a:solidFill>
-                  <a:schemeClr val="accent2"/>
-                </a:solidFill>
-              </a:rPr>
-              <a:t>The art of </a:t>
-            </a:r>
-            <a:r>
-              <a:rPr lang="it-IT" sz="5400" dirty="0" err="1">
-                <a:solidFill>
-                  <a:schemeClr val="accent2"/>
-                </a:solidFill>
-              </a:rPr>
-              <a:t>communication</a:t>
-            </a:r>
-            <a:endParaRPr lang="it-IT" sz="5400" dirty="0">
-              <a:solidFill>
-                <a:schemeClr val="accent2"/>
-              </a:solidFill>
-            </a:endParaRPr>
-          </a:p>
-        </p:txBody>
-      </p:sp>
-      <p:pic>
-        <p:nvPicPr>
-          <p:cNvPr id="7" name="Segnaposto contenuto 6"/>
-          <p:cNvPicPr>
-            <a:picLocks noGrp="1" noChangeAspect="1"/>
-          </p:cNvPicPr>
-          <p:nvPr>
-            <p:ph idx="1"/>
-          </p:nvPr>
-        </p:nvPicPr>
-        <p:blipFill>
-          <a:blip r:embed="rId2"/>
-          <a:stretch>
-            <a:fillRect/>
-          </a:stretch>
-        </p:blipFill>
-        <p:spPr>
-          <a:xfrm>
-            <a:off x="1338147" y="1895537"/>
-            <a:ext cx="7259443" cy="4401653"/>
-          </a:xfrm>
-        </p:spPr>
-      </p:pic>
-    </p:spTree>
-    <p:extLst>
-      <p:ext uri="{BB962C8B-B14F-4D97-AF65-F5344CB8AC3E}">
-        <p14:creationId xmlns:p14="http://schemas.microsoft.com/office/powerpoint/2010/main" val="3856015606"/>
-      </p:ext>
-    </p:extLst>
-  </p:cSld>
-  <p:clrMapOvr>
-    <a:masterClrMapping/>
-  </p:clrMapOvr>
-</p:sld>
-</file>
-
-<file path=ppt/slides/slide11.xml><?xml version="1.0" encoding="utf-8"?>
-<p:sld xmlns:a="http://schemas.openxmlformats.org/drawingml/2006/main" xmlns:r="http://schemas.openxmlformats.org/officeDocument/2006/relationships" xmlns:p="http://schemas.openxmlformats.org/presentationml/2006/main" show="0">
-  <p:cSld>
-    <p:spTree>
-      <p:nvGrpSpPr>
-        <p:cNvPr id="1" name=""/>
-        <p:cNvGrpSpPr/>
-        <p:nvPr/>
-      </p:nvGrpSpPr>
-      <p:grpSpPr>
-        <a:xfrm>
-          <a:off x="0" y="0"/>
-          <a:ext cx="0" cy="0"/>
-          <a:chOff x="0" y="0"/>
-          <a:chExt cx="0" cy="0"/>
-        </a:xfrm>
-      </p:grpSpPr>
-      <p:sp>
-        <p:nvSpPr>
-          <p:cNvPr id="2" name="Titolo 1"/>
-          <p:cNvSpPr>
-            <a:spLocks noGrp="1"/>
-          </p:cNvSpPr>
-          <p:nvPr>
-            <p:ph type="title"/>
-          </p:nvPr>
-        </p:nvSpPr>
-        <p:spPr>
-          <a:xfrm>
-            <a:off x="643881" y="598449"/>
-            <a:ext cx="9019116" cy="1320800"/>
-          </a:xfrm>
-        </p:spPr>
-        <p:txBody>
-          <a:bodyPr>
-            <a:noAutofit/>
-          </a:bodyPr>
-          <a:lstStyle/>
-          <a:p>
-            <a:pPr algn="ctr"/>
-            <a:r>
-              <a:rPr lang="it-IT" sz="5400" dirty="0">
-                <a:solidFill>
-                  <a:schemeClr val="accent2"/>
-                </a:solidFill>
-              </a:rPr>
-              <a:t>The art of </a:t>
-            </a:r>
-            <a:r>
-              <a:rPr lang="it-IT" sz="5400" dirty="0" err="1">
-                <a:solidFill>
-                  <a:schemeClr val="accent2"/>
-                </a:solidFill>
-              </a:rPr>
-              <a:t>communication</a:t>
-            </a:r>
-            <a:endParaRPr lang="it-IT" sz="5400" dirty="0">
-              <a:solidFill>
-                <a:schemeClr val="accent2"/>
-              </a:solidFill>
-            </a:endParaRPr>
-          </a:p>
-        </p:txBody>
-      </p:sp>
-      <p:pic>
-        <p:nvPicPr>
-          <p:cNvPr id="7" name="Segnaposto contenuto 6"/>
-          <p:cNvPicPr>
-            <a:picLocks noGrp="1" noChangeAspect="1"/>
-          </p:cNvPicPr>
-          <p:nvPr>
-            <p:ph idx="1"/>
-          </p:nvPr>
-        </p:nvPicPr>
-        <p:blipFill>
-          <a:blip r:embed="rId2"/>
-          <a:stretch>
-            <a:fillRect/>
-          </a:stretch>
-        </p:blipFill>
-        <p:spPr>
-          <a:xfrm>
-            <a:off x="1338147" y="1895537"/>
-            <a:ext cx="7259442" cy="4401653"/>
-          </a:xfrm>
-        </p:spPr>
-      </p:pic>
-    </p:spTree>
-    <p:extLst>
-      <p:ext uri="{BB962C8B-B14F-4D97-AF65-F5344CB8AC3E}">
-        <p14:creationId xmlns:p14="http://schemas.microsoft.com/office/powerpoint/2010/main" val="2619155496"/>
-      </p:ext>
-    </p:extLst>
-  </p:cSld>
-  <p:clrMapOvr>
-    <a:masterClrMapping/>
-  </p:clrMapOvr>
-</p:sld>
-</file>
-
-<file path=ppt/slides/slide12.xml><?xml version="1.0" encoding="utf-8"?>
-<p:sld xmlns:a="http://schemas.openxmlformats.org/drawingml/2006/main" xmlns:r="http://schemas.openxmlformats.org/officeDocument/2006/relationships" xmlns:p="http://schemas.openxmlformats.org/presentationml/2006/main" show="0">
-  <p:cSld>
-    <p:spTree>
-      <p:nvGrpSpPr>
-        <p:cNvPr id="1" name=""/>
-        <p:cNvGrpSpPr/>
-        <p:nvPr/>
-      </p:nvGrpSpPr>
-      <p:grpSpPr>
-        <a:xfrm>
-          <a:off x="0" y="0"/>
-          <a:ext cx="0" cy="0"/>
-          <a:chOff x="0" y="0"/>
-          <a:chExt cx="0" cy="0"/>
-        </a:xfrm>
-      </p:grpSpPr>
-      <p:sp>
-        <p:nvSpPr>
-          <p:cNvPr id="2" name="Titolo 1"/>
-          <p:cNvSpPr>
-            <a:spLocks noGrp="1"/>
-          </p:cNvSpPr>
-          <p:nvPr>
-            <p:ph type="title"/>
-          </p:nvPr>
-        </p:nvSpPr>
-        <p:spPr>
-          <a:xfrm>
-            <a:off x="643881" y="598449"/>
-            <a:ext cx="9019116" cy="1320800"/>
-          </a:xfrm>
-        </p:spPr>
-        <p:txBody>
-          <a:bodyPr>
-            <a:noAutofit/>
-          </a:bodyPr>
-          <a:lstStyle/>
-          <a:p>
-            <a:pPr algn="ctr"/>
-            <a:r>
-              <a:rPr lang="it-IT" sz="5400" dirty="0">
-                <a:solidFill>
-                  <a:schemeClr val="accent2"/>
-                </a:solidFill>
-              </a:rPr>
-              <a:t>The art of </a:t>
-            </a:r>
-            <a:r>
-              <a:rPr lang="it-IT" sz="5400" dirty="0" err="1">
-                <a:solidFill>
-                  <a:schemeClr val="accent2"/>
-                </a:solidFill>
-              </a:rPr>
-              <a:t>communication</a:t>
-            </a:r>
-            <a:endParaRPr lang="it-IT" sz="5400" dirty="0">
-              <a:solidFill>
-                <a:schemeClr val="accent2"/>
-              </a:solidFill>
-            </a:endParaRPr>
-          </a:p>
-        </p:txBody>
-      </p:sp>
-      <p:pic>
-        <p:nvPicPr>
-          <p:cNvPr id="7" name="Segnaposto contenuto 6"/>
-          <p:cNvPicPr>
-            <a:picLocks noGrp="1" noChangeAspect="1"/>
-          </p:cNvPicPr>
-          <p:nvPr>
-            <p:ph idx="1"/>
-          </p:nvPr>
-        </p:nvPicPr>
-        <p:blipFill>
-          <a:blip r:embed="rId2"/>
-          <a:stretch>
-            <a:fillRect/>
-          </a:stretch>
-        </p:blipFill>
-        <p:spPr>
-          <a:xfrm>
-            <a:off x="1438976" y="2307319"/>
-            <a:ext cx="6633605" cy="4022185"/>
-          </a:xfrm>
-        </p:spPr>
-      </p:pic>
-    </p:spTree>
-    <p:extLst>
-      <p:ext uri="{BB962C8B-B14F-4D97-AF65-F5344CB8AC3E}">
-        <p14:creationId xmlns:p14="http://schemas.microsoft.com/office/powerpoint/2010/main" val="1730178056"/>
-      </p:ext>
-    </p:extLst>
-  </p:cSld>
-  <p:clrMapOvr>
-    <a:masterClrMapping/>
-  </p:clrMapOvr>
-</p:sld>
-</file>
-
-<file path=ppt/slides/slide13.xml><?xml version="1.0" encoding="utf-8"?>
-<p:sld xmlns:a="http://schemas.openxmlformats.org/drawingml/2006/main" xmlns:r="http://schemas.openxmlformats.org/officeDocument/2006/relationships" xmlns:p="http://schemas.openxmlformats.org/presentationml/2006/main">
-  <p:cSld>
-    <p:spTree>
-      <p:nvGrpSpPr>
-        <p:cNvPr id="1" name=""/>
-        <p:cNvGrpSpPr/>
-        <p:nvPr/>
-      </p:nvGrpSpPr>
-      <p:grpSpPr>
-        <a:xfrm>
-          <a:off x="0" y="0"/>
-          <a:ext cx="0" cy="0"/>
-          <a:chOff x="0" y="0"/>
-          <a:chExt cx="0" cy="0"/>
-        </a:xfrm>
-      </p:grpSpPr>
-      <p:sp>
-        <p:nvSpPr>
-          <p:cNvPr id="2" name="Titolo 1"/>
-          <p:cNvSpPr>
-            <a:spLocks noGrp="1"/>
-          </p:cNvSpPr>
-          <p:nvPr>
-            <p:ph type="title"/>
-          </p:nvPr>
-        </p:nvSpPr>
         <p:spPr/>
         <p:txBody>
           <a:bodyPr>
@@ -6559,7 +6256,7 @@
 </p:sld>
 </file>
 
-<file path=ppt/slides/slide14.xml><?xml version="1.0" encoding="utf-8"?>
+<file path=ppt/slides/slide11.xml><?xml version="1.0" encoding="utf-8"?>
 <p:sld xmlns:a="http://schemas.openxmlformats.org/drawingml/2006/main" xmlns:r="http://schemas.openxmlformats.org/officeDocument/2006/relationships" xmlns:p="http://schemas.openxmlformats.org/presentationml/2006/main">
   <p:cSld>
     <p:spTree>
@@ -7125,7 +6822,7 @@
 </p:sld>
 </file>
 
-<file path=ppt/slides/slide15.xml><?xml version="1.0" encoding="utf-8"?>
+<file path=ppt/slides/slide12.xml><?xml version="1.0" encoding="utf-8"?>
 <p:sld xmlns:a="http://schemas.openxmlformats.org/drawingml/2006/main" xmlns:r="http://schemas.openxmlformats.org/officeDocument/2006/relationships" xmlns:p="http://schemas.openxmlformats.org/presentationml/2006/main">
   <p:cSld>
     <p:spTree>
@@ -7776,7 +7473,7 @@
 </p:sld>
 </file>
 
-<file path=ppt/slides/slide16.xml><?xml version="1.0" encoding="utf-8"?>
+<file path=ppt/slides/slide13.xml><?xml version="1.0" encoding="utf-8"?>
 <p:sld xmlns:a="http://schemas.openxmlformats.org/drawingml/2006/main" xmlns:r="http://schemas.openxmlformats.org/officeDocument/2006/relationships" xmlns:p="http://schemas.openxmlformats.org/presentationml/2006/main">
   <p:cSld>
     <p:spTree>
@@ -8310,7 +8007,7 @@
 </p:sld>
 </file>
 
-<file path=ppt/slides/slide17.xml><?xml version="1.0" encoding="utf-8"?>
+<file path=ppt/slides/slide14.xml><?xml version="1.0" encoding="utf-8"?>
 <p:sld xmlns:a="http://schemas.openxmlformats.org/drawingml/2006/main" xmlns:r="http://schemas.openxmlformats.org/officeDocument/2006/relationships" xmlns:p="http://schemas.openxmlformats.org/presentationml/2006/main">
   <p:cSld>
     <p:spTree>
@@ -8446,7 +8143,7 @@
 </file>
 
 <file path=ppt/slides/slide3.xml><?xml version="1.0" encoding="utf-8"?>
-<p:sld xmlns:a="http://schemas.openxmlformats.org/drawingml/2006/main" xmlns:r="http://schemas.openxmlformats.org/officeDocument/2006/relationships" xmlns:p="http://schemas.openxmlformats.org/presentationml/2006/main" show="0">
+<p:sld xmlns:a="http://schemas.openxmlformats.org/drawingml/2006/main" xmlns:r="http://schemas.openxmlformats.org/officeDocument/2006/relationships" xmlns:p="http://schemas.openxmlformats.org/presentationml/2006/main">
   <p:cSld>
     <p:spTree>
       <p:nvGrpSpPr>
@@ -8472,7 +8169,12 @@
             <p:ph type="title"/>
           </p:nvPr>
         </p:nvSpPr>
-        <p:spPr/>
+        <p:spPr>
+          <a:xfrm>
+            <a:off x="0" y="609600"/>
+            <a:ext cx="9274002" cy="1320800"/>
+          </a:xfrm>
+        </p:spPr>
         <p:txBody>
           <a:bodyPr>
             <a:normAutofit fontScale="90000"/>
@@ -8486,7 +8188,7 @@
                   <a:schemeClr val="accent2"/>
                 </a:solidFill>
               </a:rPr>
-              <a:t>Why</a:t>
+              <a:t>Greatest</a:t>
             </a:r>
             <a:r>
               <a:rPr lang="it-IT" sz="5400" dirty="0">
@@ -8502,7 +8204,7 @@
                   <a:schemeClr val="accent2"/>
                 </a:solidFill>
               </a:rPr>
-              <a:t>we</a:t>
+              <a:t>Questions</a:t>
             </a:r>
             <a:r>
               <a:rPr lang="it-IT" sz="5400" dirty="0">
@@ -8510,7 +8212,7 @@
                   <a:schemeClr val="accent2"/>
                 </a:solidFill>
               </a:rPr>
-              <a:t> </a:t>
+              <a:t> for </a:t>
             </a:r>
             <a:r>
               <a:rPr lang="it-IT" sz="5400" dirty="0" err="1">
@@ -8518,16 +8220,13 @@
                   <a:schemeClr val="accent2"/>
                 </a:solidFill>
               </a:rPr>
-              <a:t>need</a:t>
-            </a:r>
-            <a:r>
-              <a:rPr lang="it-IT" sz="5400" dirty="0">
-                <a:solidFill>
-                  <a:schemeClr val="accent2"/>
-                </a:solidFill>
-              </a:rPr>
-              <a:t> an IP core manager?</a:t>
-            </a:r>
+              <a:t>Humanity</a:t>
+            </a:r>
+            <a:endParaRPr lang="it-IT" sz="5400" dirty="0">
+              <a:solidFill>
+                <a:schemeClr val="accent2"/>
+              </a:solidFill>
+            </a:endParaRPr>
           </a:p>
         </p:txBody>
       </p:sp>
@@ -8541,87 +8240,107 @@
             <p:ph idx="1"/>
           </p:nvPr>
         </p:nvSpPr>
-        <p:spPr>
-          <a:xfrm>
-            <a:off x="677334" y="1930400"/>
-            <a:ext cx="8596668" cy="3880773"/>
-          </a:xfrm>
-        </p:spPr>
+        <p:spPr/>
         <p:txBody>
           <a:bodyPr>
             <a:normAutofit/>
           </a:bodyPr>
           <a:lstStyle/>
           <a:p>
-            <a:endParaRPr lang="en-US" sz="2800" dirty="0"/>
-          </a:p>
-          <a:p>
-            <a:r>
-              <a:rPr lang="en-US" sz="2800" dirty="0"/>
-              <a:t>IP stands for </a:t>
-            </a:r>
-            <a:r>
-              <a:rPr lang="en-US" sz="2800" strike="sngStrike" dirty="0"/>
-              <a:t>Internet Proto,</a:t>
-            </a:r>
-            <a:r>
-              <a:rPr lang="en-US" sz="2800" dirty="0">
-                <a:effectLst>
-                  <a:outerShdw blurRad="38100" dist="38100" dir="2700000" algn="tl">
-                    <a:srgbClr val="000000">
-                      <a:alpha val="43137"/>
-                    </a:srgbClr>
-                  </a:outerShdw>
-                </a:effectLst>
-              </a:rPr>
-              <a:t> Intellectual Property</a:t>
-            </a:r>
-            <a:r>
-              <a:rPr lang="en-US" sz="2800" dirty="0"/>
-              <a:t>.</a:t>
-            </a:r>
-          </a:p>
-          <a:p>
-            <a:r>
-              <a:rPr lang="en-US" sz="2800" dirty="0"/>
-              <a:t>Synthesizable RTL design written in VHDL/Verilog.</a:t>
-            </a:r>
-          </a:p>
-          <a:p>
-            <a:r>
-              <a:rPr lang="en-US" sz="2800" dirty="0"/>
-              <a:t>Several IP blocks can be used in our designs. </a:t>
-            </a:r>
-          </a:p>
-          <a:p>
-            <a:r>
-              <a:rPr lang="en-US" sz="2800" dirty="0"/>
-              <a:t>Examples: Microprocessors, DSP, DMA, SDRAM controller, CORDIC, </a:t>
-            </a:r>
-            <a:r>
-              <a:rPr lang="en-US" sz="2800" dirty="0" err="1"/>
-              <a:t>ecc</a:t>
-            </a:r>
-            <a:r>
-              <a:rPr lang="en-US" sz="2800" dirty="0"/>
+            <a:endParaRPr lang="it-IT" sz="2800" dirty="0"/>
+          </a:p>
+          <a:p>
+            <a:r>
+              <a:rPr lang="it-IT" sz="2800" dirty="0" err="1"/>
+              <a:t>What’s</a:t>
+            </a:r>
+            <a:r>
+              <a:rPr lang="it-IT" sz="2800" dirty="0"/>
+              <a:t> the </a:t>
+            </a:r>
+            <a:r>
+              <a:rPr lang="it-IT" sz="2800" dirty="0" err="1"/>
+              <a:t>purpose</a:t>
+            </a:r>
+            <a:r>
+              <a:rPr lang="it-IT" sz="2800" dirty="0"/>
+              <a:t> in life?</a:t>
+            </a:r>
+          </a:p>
+          <a:p>
+            <a:r>
+              <a:rPr lang="it-IT" sz="2800" dirty="0" err="1"/>
+              <a:t>Why</a:t>
+            </a:r>
+            <a:r>
+              <a:rPr lang="it-IT" sz="2800" dirty="0"/>
               <a:t> </a:t>
             </a:r>
             <a:r>
-              <a:rPr lang="en-US" sz="2800" dirty="0" err="1"/>
-              <a:t>ecc</a:t>
-            </a:r>
-            <a:r>
-              <a:rPr lang="en-US" sz="2800" dirty="0"/>
-              <a:t>. </a:t>
-            </a:r>
-            <a:endParaRPr lang="it-IT" sz="2800" dirty="0"/>
+              <a:rPr lang="it-IT" sz="2800" dirty="0" err="1"/>
+              <a:t>there</a:t>
+            </a:r>
+            <a:r>
+              <a:rPr lang="it-IT" sz="2800" dirty="0"/>
+              <a:t> </a:t>
+            </a:r>
+            <a:r>
+              <a:rPr lang="it-IT" sz="2800" dirty="0" err="1"/>
+              <a:t>is</a:t>
+            </a:r>
+            <a:r>
+              <a:rPr lang="it-IT" sz="2800" dirty="0"/>
+              <a:t> </a:t>
+            </a:r>
+            <a:r>
+              <a:rPr lang="it-IT" sz="2800" dirty="0" err="1"/>
+              <a:t>something</a:t>
+            </a:r>
+            <a:r>
+              <a:rPr lang="it-IT" sz="2800" dirty="0"/>
+              <a:t> </a:t>
+            </a:r>
+            <a:r>
+              <a:rPr lang="it-IT" sz="2800" dirty="0" err="1"/>
+              <a:t>instead</a:t>
+            </a:r>
+            <a:r>
+              <a:rPr lang="it-IT" sz="2800" dirty="0"/>
+              <a:t> of </a:t>
+            </a:r>
+            <a:r>
+              <a:rPr lang="it-IT" sz="2800" dirty="0" err="1"/>
+              <a:t>nothing</a:t>
+            </a:r>
+            <a:r>
+              <a:rPr lang="it-IT" sz="2800" dirty="0"/>
+              <a:t>?</a:t>
+            </a:r>
+          </a:p>
+          <a:p>
+            <a:r>
+              <a:rPr lang="it-IT" sz="2800" dirty="0" err="1"/>
+              <a:t>What</a:t>
+            </a:r>
+            <a:r>
+              <a:rPr lang="it-IT" sz="2800" dirty="0"/>
+              <a:t> </a:t>
+            </a:r>
+            <a:r>
+              <a:rPr lang="it-IT" sz="2800" dirty="0" err="1"/>
+              <a:t>is</a:t>
+            </a:r>
+            <a:r>
+              <a:rPr lang="it-IT" sz="2800" dirty="0"/>
+              <a:t> an IP core Manager?</a:t>
+            </a:r>
           </a:p>
         </p:txBody>
       </p:sp>
     </p:spTree>
     <p:extLst>
       <p:ext uri="{BB962C8B-B14F-4D97-AF65-F5344CB8AC3E}">
-        <p14:creationId xmlns:p14="http://schemas.microsoft.com/office/powerpoint/2010/main" val="2949893051"/>
+        <p14:creationId xmlns:p14="http://schemas.microsoft.com/office/powerpoint/2010/main" val="1839370365"/>
       </p:ext>
     </p:extLst>
   </p:cSld>
@@ -8658,12 +8377,7 @@
             <p:ph type="title"/>
           </p:nvPr>
         </p:nvSpPr>
-        <p:spPr>
-          <a:xfrm>
-            <a:off x="0" y="609600"/>
-            <a:ext cx="9274002" cy="1320800"/>
-          </a:xfrm>
-        </p:spPr>
+        <p:spPr/>
         <p:txBody>
           <a:bodyPr>
             <a:normAutofit fontScale="90000"/>
@@ -8677,7 +8391,7 @@
                   <a:schemeClr val="accent2"/>
                 </a:solidFill>
               </a:rPr>
-              <a:t>Greatest</a:t>
+              <a:t>What</a:t>
             </a:r>
             <a:r>
               <a:rPr lang="it-IT" sz="5400" dirty="0">
@@ -8693,7 +8407,7 @@
                   <a:schemeClr val="accent2"/>
                 </a:solidFill>
               </a:rPr>
-              <a:t>Questions</a:t>
+              <a:t>is</a:t>
             </a:r>
             <a:r>
               <a:rPr lang="it-IT" sz="5400" dirty="0">
@@ -8701,21 +8415,8 @@
                   <a:schemeClr val="accent2"/>
                 </a:solidFill>
               </a:rPr>
-              <a:t> for </a:t>
-            </a:r>
-            <a:r>
-              <a:rPr lang="it-IT" sz="5400" dirty="0" err="1">
-                <a:solidFill>
-                  <a:schemeClr val="accent2"/>
-                </a:solidFill>
-              </a:rPr>
-              <a:t>Humanity</a:t>
-            </a:r>
-            <a:endParaRPr lang="it-IT" sz="5400" dirty="0">
-              <a:solidFill>
-                <a:schemeClr val="accent2"/>
-              </a:solidFill>
-            </a:endParaRPr>
+              <a:t> an IP core Manager?</a:t>
+            </a:r>
           </a:p>
         </p:txBody>
       </p:sp>
@@ -8736,191 +8437,12 @@
           </a:bodyPr>
           <a:lstStyle/>
           <a:p>
-            <a:endParaRPr lang="it-IT" sz="2800" dirty="0"/>
-          </a:p>
-          <a:p>
-            <a:r>
-              <a:rPr lang="it-IT" sz="2800" dirty="0" err="1"/>
-              <a:t>What’s</a:t>
-            </a:r>
-            <a:r>
-              <a:rPr lang="it-IT" sz="2800" dirty="0"/>
-              <a:t> the </a:t>
-            </a:r>
-            <a:r>
-              <a:rPr lang="it-IT" sz="2800" dirty="0" err="1"/>
-              <a:t>purpose</a:t>
-            </a:r>
-            <a:r>
-              <a:rPr lang="it-IT" sz="2800" dirty="0"/>
-              <a:t> in life?</a:t>
-            </a:r>
-          </a:p>
-          <a:p>
-            <a:r>
-              <a:rPr lang="it-IT" sz="2800" dirty="0" err="1"/>
-              <a:t>Why</a:t>
-            </a:r>
-            <a:r>
-              <a:rPr lang="it-IT" sz="2800" dirty="0"/>
-              <a:t> </a:t>
-            </a:r>
-            <a:r>
-              <a:rPr lang="it-IT" sz="2800" dirty="0" err="1"/>
-              <a:t>there</a:t>
-            </a:r>
-            <a:r>
-              <a:rPr lang="it-IT" sz="2800" dirty="0"/>
-              <a:t> </a:t>
-            </a:r>
-            <a:r>
-              <a:rPr lang="it-IT" sz="2800" dirty="0" err="1"/>
-              <a:t>is</a:t>
-            </a:r>
-            <a:r>
-              <a:rPr lang="it-IT" sz="2800" dirty="0"/>
-              <a:t> </a:t>
-            </a:r>
-            <a:r>
-              <a:rPr lang="it-IT" sz="2800" dirty="0" err="1"/>
-              <a:t>something</a:t>
-            </a:r>
-            <a:r>
-              <a:rPr lang="it-IT" sz="2800" dirty="0"/>
-              <a:t> </a:t>
-            </a:r>
-            <a:r>
-              <a:rPr lang="it-IT" sz="2800" dirty="0" err="1"/>
-              <a:t>instead</a:t>
-            </a:r>
-            <a:r>
-              <a:rPr lang="it-IT" sz="2800" dirty="0"/>
-              <a:t> of </a:t>
-            </a:r>
-            <a:r>
-              <a:rPr lang="it-IT" sz="2800" dirty="0" err="1"/>
-              <a:t>nothing</a:t>
-            </a:r>
-            <a:r>
-              <a:rPr lang="it-IT" sz="2800" dirty="0"/>
-              <a:t>?</a:t>
-            </a:r>
-          </a:p>
-          <a:p>
-            <a:r>
-              <a:rPr lang="it-IT" sz="2800" dirty="0" err="1"/>
-              <a:t>What</a:t>
-            </a:r>
-            <a:r>
-              <a:rPr lang="it-IT" sz="2800" dirty="0"/>
-              <a:t> </a:t>
-            </a:r>
-            <a:r>
-              <a:rPr lang="it-IT" sz="2800" dirty="0" err="1"/>
-              <a:t>is</a:t>
-            </a:r>
-            <a:r>
-              <a:rPr lang="it-IT" sz="2800" dirty="0"/>
-              <a:t> an IP core Manager?</a:t>
-            </a:r>
-          </a:p>
-        </p:txBody>
-      </p:sp>
-    </p:spTree>
-    <p:extLst>
-      <p:ext uri="{BB962C8B-B14F-4D97-AF65-F5344CB8AC3E}">
-        <p14:creationId xmlns:p14="http://schemas.microsoft.com/office/powerpoint/2010/main" val="1839370365"/>
-      </p:ext>
-    </p:extLst>
-  </p:cSld>
-  <p:clrMapOvr>
-    <a:masterClrMapping/>
-  </p:clrMapOvr>
-</p:sld>
-</file>
-
-<file path=ppt/slides/slide5.xml><?xml version="1.0" encoding="utf-8"?>
-<p:sld xmlns:a="http://schemas.openxmlformats.org/drawingml/2006/main" xmlns:r="http://schemas.openxmlformats.org/officeDocument/2006/relationships" xmlns:p="http://schemas.openxmlformats.org/presentationml/2006/main">
-  <p:cSld>
-    <p:spTree>
-      <p:nvGrpSpPr>
-        <p:cNvPr id="1" name=""/>
-        <p:cNvGrpSpPr/>
-        <p:nvPr/>
-      </p:nvGrpSpPr>
-      <p:grpSpPr>
-        <a:xfrm>
-          <a:off x="0" y="0"/>
-          <a:ext cx="0" cy="0"/>
-          <a:chOff x="0" y="0"/>
-          <a:chExt cx="0" cy="0"/>
-        </a:xfrm>
-      </p:grpSpPr>
-      <p:sp>
-        <p:nvSpPr>
-          <p:cNvPr id="2" name="Titolo 1"/>
-          <p:cNvSpPr>
-            <a:spLocks noGrp="1"/>
-          </p:cNvSpPr>
-          <p:nvPr>
-            <p:ph type="title"/>
-          </p:nvPr>
-        </p:nvSpPr>
-        <p:spPr/>
-        <p:txBody>
-          <a:bodyPr>
-            <a:normAutofit/>
-          </a:bodyPr>
-          <a:lstStyle/>
-          <a:p>
-            <a:pPr algn="ctr"/>
-            <a:r>
-              <a:rPr lang="it-IT" sz="5400" dirty="0">
-                <a:solidFill>
-                  <a:schemeClr val="accent2"/>
-                </a:solidFill>
-              </a:rPr>
-              <a:t>IP Manager </a:t>
-            </a:r>
-            <a:r>
-              <a:rPr lang="it-IT" sz="5400" dirty="0" err="1">
-                <a:solidFill>
-                  <a:schemeClr val="accent2"/>
-                </a:solidFill>
-              </a:rPr>
-              <a:t>functions</a:t>
-            </a:r>
-            <a:endParaRPr lang="it-IT" sz="5400" dirty="0">
-              <a:solidFill>
-                <a:schemeClr val="accent2"/>
-              </a:solidFill>
-            </a:endParaRPr>
-          </a:p>
-        </p:txBody>
-      </p:sp>
-      <p:sp>
-        <p:nvSpPr>
-          <p:cNvPr id="3" name="Segnaposto contenuto 2"/>
-          <p:cNvSpPr>
-            <a:spLocks noGrp="1"/>
-          </p:cNvSpPr>
-          <p:nvPr>
-            <p:ph idx="1"/>
-          </p:nvPr>
-        </p:nvSpPr>
-        <p:spPr/>
-        <p:txBody>
-          <a:bodyPr>
-            <a:normAutofit/>
-          </a:bodyPr>
-          <a:lstStyle/>
-          <a:p>
             <a:endParaRPr lang="en-US" sz="2800" dirty="0"/>
           </a:p>
           <a:p>
             <a:r>
               <a:rPr lang="en-US" sz="2800" dirty="0"/>
-              <a:t>Handles the context switching between IP cores</a:t>
+              <a:t>Manages the context switching between IP cores</a:t>
             </a:r>
             <a:endParaRPr lang="it-IT" sz="2800" dirty="0"/>
           </a:p>
@@ -8960,7 +8482,7 @@
 </p:sld>
 </file>
 
-<file path=ppt/slides/slide6.xml><?xml version="1.0" encoding="utf-8"?>
+<file path=ppt/slides/slide5.xml><?xml version="1.0" encoding="utf-8"?>
 <p:sld xmlns:a="http://schemas.openxmlformats.org/drawingml/2006/main" xmlns:r="http://schemas.openxmlformats.org/officeDocument/2006/relationships" xmlns:p="http://schemas.openxmlformats.org/presentationml/2006/main">
   <p:cSld>
     <p:spTree>
@@ -9047,7 +8569,7 @@
 </p:sld>
 </file>
 
-<file path=ppt/slides/slide7.xml><?xml version="1.0" encoding="utf-8"?>
+<file path=ppt/slides/slide6.xml><?xml version="1.0" encoding="utf-8"?>
 <p:sld xmlns:a="http://schemas.openxmlformats.org/drawingml/2006/main" xmlns:r="http://schemas.openxmlformats.org/officeDocument/2006/relationships" xmlns:p="http://schemas.openxmlformats.org/presentationml/2006/main">
   <p:cSld>
     <p:spTree>
@@ -9142,7 +8664,7 @@
 </p:sld>
 </file>
 
-<file path=ppt/slides/slide8.xml><?xml version="1.0" encoding="utf-8"?>
+<file path=ppt/slides/slide7.xml><?xml version="1.0" encoding="utf-8"?>
 <p:sld xmlns:a="http://schemas.openxmlformats.org/drawingml/2006/main" xmlns:r="http://schemas.openxmlformats.org/officeDocument/2006/relationships" xmlns:p="http://schemas.openxmlformats.org/presentationml/2006/main">
   <p:cSld>
     <p:spTree>
@@ -9242,7 +8764,7 @@
 </p:sld>
 </file>
 
-<file path=ppt/slides/slide9.xml><?xml version="1.0" encoding="utf-8"?>
+<file path=ppt/slides/slide8.xml><?xml version="1.0" encoding="utf-8"?>
 <p:sld xmlns:a="http://schemas.openxmlformats.org/drawingml/2006/main" xmlns:r="http://schemas.openxmlformats.org/officeDocument/2006/relationships" xmlns:p="http://schemas.openxmlformats.org/presentationml/2006/main">
   <p:cSld>
     <p:spTree>
@@ -9333,6 +8855,106 @@
     <p:extLst>
       <p:ext uri="{BB962C8B-B14F-4D97-AF65-F5344CB8AC3E}">
         <p14:creationId xmlns:p14="http://schemas.microsoft.com/office/powerpoint/2010/main" val="3164753331"/>
+      </p:ext>
+    </p:extLst>
+  </p:cSld>
+  <p:clrMapOvr>
+    <a:masterClrMapping/>
+  </p:clrMapOvr>
+</p:sld>
+</file>
+
+<file path=ppt/slides/slide9.xml><?xml version="1.0" encoding="utf-8"?>
+<p:sld xmlns:a="http://schemas.openxmlformats.org/drawingml/2006/main" xmlns:r="http://schemas.openxmlformats.org/officeDocument/2006/relationships" xmlns:p="http://schemas.openxmlformats.org/presentationml/2006/main">
+  <p:cSld>
+    <p:spTree>
+      <p:nvGrpSpPr>
+        <p:cNvPr id="1" name=""/>
+        <p:cNvGrpSpPr/>
+        <p:nvPr/>
+      </p:nvGrpSpPr>
+      <p:grpSpPr>
+        <a:xfrm>
+          <a:off x="0" y="0"/>
+          <a:ext cx="0" cy="0"/>
+          <a:chOff x="0" y="0"/>
+          <a:chExt cx="0" cy="0"/>
+        </a:xfrm>
+      </p:grpSpPr>
+      <p:sp>
+        <p:nvSpPr>
+          <p:cNvPr id="2" name="Titolo 1"/>
+          <p:cNvSpPr>
+            <a:spLocks noGrp="1"/>
+          </p:cNvSpPr>
+          <p:nvPr>
+            <p:ph type="title"/>
+          </p:nvPr>
+        </p:nvSpPr>
+        <p:spPr>
+          <a:xfrm>
+            <a:off x="643881" y="598449"/>
+            <a:ext cx="9019116" cy="1320800"/>
+          </a:xfrm>
+        </p:spPr>
+        <p:txBody>
+          <a:bodyPr>
+            <a:noAutofit/>
+          </a:bodyPr>
+          <a:lstStyle/>
+          <a:p>
+            <a:pPr algn="ctr"/>
+            <a:r>
+              <a:rPr lang="it-IT" sz="5400" dirty="0">
+                <a:solidFill>
+                  <a:schemeClr val="accent2"/>
+                </a:solidFill>
+              </a:rPr>
+              <a:t>The art of </a:t>
+            </a:r>
+            <a:r>
+              <a:rPr lang="it-IT" sz="5400" dirty="0" err="1">
+                <a:solidFill>
+                  <a:schemeClr val="accent2"/>
+                </a:solidFill>
+              </a:rPr>
+              <a:t>communication</a:t>
+            </a:r>
+            <a:endParaRPr lang="it-IT" sz="5400" dirty="0">
+              <a:solidFill>
+                <a:schemeClr val="accent2"/>
+              </a:solidFill>
+            </a:endParaRPr>
+          </a:p>
+        </p:txBody>
+      </p:sp>
+      <p:pic>
+        <p:nvPicPr>
+          <p:cNvPr id="7" name="Segnaposto contenuto 6"/>
+          <p:cNvPicPr>
+            <a:picLocks noGrp="1" noChangeAspect="1"/>
+          </p:cNvPicPr>
+          <p:nvPr>
+            <p:ph idx="1"/>
+          </p:nvPr>
+        </p:nvPicPr>
+        <p:blipFill>
+          <a:blip r:embed="rId2"/>
+          <a:stretch>
+            <a:fillRect/>
+          </a:stretch>
+        </p:blipFill>
+        <p:spPr>
+          <a:xfrm>
+            <a:off x="1338147" y="1895537"/>
+            <a:ext cx="7259443" cy="4401653"/>
+          </a:xfrm>
+        </p:spPr>
+      </p:pic>
+    </p:spTree>
+    <p:extLst>
+      <p:ext uri="{BB962C8B-B14F-4D97-AF65-F5344CB8AC3E}">
+        <p14:creationId xmlns:p14="http://schemas.microsoft.com/office/powerpoint/2010/main" val="3856015606"/>
       </p:ext>
     </p:extLst>
   </p:cSld>
